--- a/are-you-drunk-sql-server/powerpoint/groupby-2021-05-25.pptx
+++ b/are-you-drunk-sql-server/powerpoint/groupby-2021-05-25.pptx
@@ -8535,8 +8535,8 @@
         </p:blipFill>
         <p:spPr>
           <a:xfrm>
-            <a:off x="-1884" y="1015067"/>
-            <a:ext cx="12163978" cy="4815281"/>
+            <a:off x="-1884" y="1614919"/>
+            <a:ext cx="10648681" cy="4215429"/>
           </a:xfrm>
           <a:prstGeom prst="rect">
             <a:avLst/>
